--- a/Clustering Results Word Doc/Mutant2_150_Norm_Analysis_K4.pptx
+++ b/Clustering Results Word Doc/Mutant2_150_Norm_Analysis_K4.pptx
@@ -12,6 +12,7 @@
     <p:sldId id="260" r:id="rId6"/>
     <p:sldId id="261" r:id="rId7"/>
     <p:sldId id="262" r:id="rId8"/>
+    <p:sldId id="263" r:id="rId9"/>
   </p:sldIdLst>
   <p:sldSz cx="9144000" cy="6858000" type="screen4x3"/>
   <p:notesSz cx="6858000" cy="9144000"/>
@@ -294,7 +295,8 @@
           <a:p>
             <a:fld id="{BFE8E7F3-E106-4935-B724-098C48254C23}" type="datetimeFigureOut">
               <a:rPr lang="en-US" smtClean="0"/>
-              <a:t>2/4/2015</a:t>
+              <a:pPr/>
+              <a:t>2/5/2015</a:t>
             </a:fld>
             <a:endParaRPr lang="en-US"/>
           </a:p>
@@ -336,6 +338,7 @@
           <a:p>
             <a:fld id="{D37A0E69-218D-4F71-8C8F-10777D80473F}" type="slidenum">
               <a:rPr lang="en-US" smtClean="0"/>
+              <a:pPr/>
               <a:t>‹#›</a:t>
             </a:fld>
             <a:endParaRPr lang="en-US"/>
@@ -459,7 +462,8 @@
           <a:p>
             <a:fld id="{BFE8E7F3-E106-4935-B724-098C48254C23}" type="datetimeFigureOut">
               <a:rPr lang="en-US" smtClean="0"/>
-              <a:t>2/4/2015</a:t>
+              <a:pPr/>
+              <a:t>2/5/2015</a:t>
             </a:fld>
             <a:endParaRPr lang="en-US"/>
           </a:p>
@@ -501,6 +505,7 @@
           <a:p>
             <a:fld id="{D37A0E69-218D-4F71-8C8F-10777D80473F}" type="slidenum">
               <a:rPr lang="en-US" smtClean="0"/>
+              <a:pPr/>
               <a:t>‹#›</a:t>
             </a:fld>
             <a:endParaRPr lang="en-US"/>
@@ -634,7 +639,8 @@
           <a:p>
             <a:fld id="{BFE8E7F3-E106-4935-B724-098C48254C23}" type="datetimeFigureOut">
               <a:rPr lang="en-US" smtClean="0"/>
-              <a:t>2/4/2015</a:t>
+              <a:pPr/>
+              <a:t>2/5/2015</a:t>
             </a:fld>
             <a:endParaRPr lang="en-US"/>
           </a:p>
@@ -676,6 +682,7 @@
           <a:p>
             <a:fld id="{D37A0E69-218D-4F71-8C8F-10777D80473F}" type="slidenum">
               <a:rPr lang="en-US" smtClean="0"/>
+              <a:pPr/>
               <a:t>‹#›</a:t>
             </a:fld>
             <a:endParaRPr lang="en-US"/>
@@ -799,7 +806,8 @@
           <a:p>
             <a:fld id="{BFE8E7F3-E106-4935-B724-098C48254C23}" type="datetimeFigureOut">
               <a:rPr lang="en-US" smtClean="0"/>
-              <a:t>2/4/2015</a:t>
+              <a:pPr/>
+              <a:t>2/5/2015</a:t>
             </a:fld>
             <a:endParaRPr lang="en-US"/>
           </a:p>
@@ -841,6 +849,7 @@
           <a:p>
             <a:fld id="{D37A0E69-218D-4F71-8C8F-10777D80473F}" type="slidenum">
               <a:rPr lang="en-US" smtClean="0"/>
+              <a:pPr/>
               <a:t>‹#›</a:t>
             </a:fld>
             <a:endParaRPr lang="en-US"/>
@@ -1040,7 +1049,8 @@
           <a:p>
             <a:fld id="{BFE8E7F3-E106-4935-B724-098C48254C23}" type="datetimeFigureOut">
               <a:rPr lang="en-US" smtClean="0"/>
-              <a:t>2/4/2015</a:t>
+              <a:pPr/>
+              <a:t>2/5/2015</a:t>
             </a:fld>
             <a:endParaRPr lang="en-US"/>
           </a:p>
@@ -1082,6 +1092,7 @@
           <a:p>
             <a:fld id="{D37A0E69-218D-4F71-8C8F-10777D80473F}" type="slidenum">
               <a:rPr lang="en-US" smtClean="0"/>
+              <a:pPr/>
               <a:t>‹#›</a:t>
             </a:fld>
             <a:endParaRPr lang="en-US"/>
@@ -1323,7 +1334,8 @@
           <a:p>
             <a:fld id="{BFE8E7F3-E106-4935-B724-098C48254C23}" type="datetimeFigureOut">
               <a:rPr lang="en-US" smtClean="0"/>
-              <a:t>2/4/2015</a:t>
+              <a:pPr/>
+              <a:t>2/5/2015</a:t>
             </a:fld>
             <a:endParaRPr lang="en-US"/>
           </a:p>
@@ -1365,6 +1377,7 @@
           <a:p>
             <a:fld id="{D37A0E69-218D-4F71-8C8F-10777D80473F}" type="slidenum">
               <a:rPr lang="en-US" smtClean="0"/>
+              <a:pPr/>
               <a:t>‹#›</a:t>
             </a:fld>
             <a:endParaRPr lang="en-US"/>
@@ -1740,7 +1753,8 @@
           <a:p>
             <a:fld id="{BFE8E7F3-E106-4935-B724-098C48254C23}" type="datetimeFigureOut">
               <a:rPr lang="en-US" smtClean="0"/>
-              <a:t>2/4/2015</a:t>
+              <a:pPr/>
+              <a:t>2/5/2015</a:t>
             </a:fld>
             <a:endParaRPr lang="en-US"/>
           </a:p>
@@ -1782,6 +1796,7 @@
           <a:p>
             <a:fld id="{D37A0E69-218D-4F71-8C8F-10777D80473F}" type="slidenum">
               <a:rPr lang="en-US" smtClean="0"/>
+              <a:pPr/>
               <a:t>‹#›</a:t>
             </a:fld>
             <a:endParaRPr lang="en-US"/>
@@ -1853,7 +1868,8 @@
           <a:p>
             <a:fld id="{BFE8E7F3-E106-4935-B724-098C48254C23}" type="datetimeFigureOut">
               <a:rPr lang="en-US" smtClean="0"/>
-              <a:t>2/4/2015</a:t>
+              <a:pPr/>
+              <a:t>2/5/2015</a:t>
             </a:fld>
             <a:endParaRPr lang="en-US"/>
           </a:p>
@@ -1895,6 +1911,7 @@
           <a:p>
             <a:fld id="{D37A0E69-218D-4F71-8C8F-10777D80473F}" type="slidenum">
               <a:rPr lang="en-US" smtClean="0"/>
+              <a:pPr/>
               <a:t>‹#›</a:t>
             </a:fld>
             <a:endParaRPr lang="en-US"/>
@@ -1943,7 +1960,8 @@
           <a:p>
             <a:fld id="{BFE8E7F3-E106-4935-B724-098C48254C23}" type="datetimeFigureOut">
               <a:rPr lang="en-US" smtClean="0"/>
-              <a:t>2/4/2015</a:t>
+              <a:pPr/>
+              <a:t>2/5/2015</a:t>
             </a:fld>
             <a:endParaRPr lang="en-US"/>
           </a:p>
@@ -1985,6 +2003,7 @@
           <a:p>
             <a:fld id="{D37A0E69-218D-4F71-8C8F-10777D80473F}" type="slidenum">
               <a:rPr lang="en-US" smtClean="0"/>
+              <a:pPr/>
               <a:t>‹#›</a:t>
             </a:fld>
             <a:endParaRPr lang="en-US"/>
@@ -2215,7 +2234,8 @@
           <a:p>
             <a:fld id="{BFE8E7F3-E106-4935-B724-098C48254C23}" type="datetimeFigureOut">
               <a:rPr lang="en-US" smtClean="0"/>
-              <a:t>2/4/2015</a:t>
+              <a:pPr/>
+              <a:t>2/5/2015</a:t>
             </a:fld>
             <a:endParaRPr lang="en-US"/>
           </a:p>
@@ -2257,6 +2277,7 @@
           <a:p>
             <a:fld id="{D37A0E69-218D-4F71-8C8F-10777D80473F}" type="slidenum">
               <a:rPr lang="en-US" smtClean="0"/>
+              <a:pPr/>
               <a:t>‹#›</a:t>
             </a:fld>
             <a:endParaRPr lang="en-US"/>
@@ -2463,7 +2484,8 @@
           <a:p>
             <a:fld id="{BFE8E7F3-E106-4935-B724-098C48254C23}" type="datetimeFigureOut">
               <a:rPr lang="en-US" smtClean="0"/>
-              <a:t>2/4/2015</a:t>
+              <a:pPr/>
+              <a:t>2/5/2015</a:t>
             </a:fld>
             <a:endParaRPr lang="en-US"/>
           </a:p>
@@ -2505,6 +2527,7 @@
           <a:p>
             <a:fld id="{D37A0E69-218D-4F71-8C8F-10777D80473F}" type="slidenum">
               <a:rPr lang="en-US" smtClean="0"/>
+              <a:pPr/>
               <a:t>‹#›</a:t>
             </a:fld>
             <a:endParaRPr lang="en-US"/>
@@ -2671,7 +2694,8 @@
           <a:p>
             <a:fld id="{BFE8E7F3-E106-4935-B724-098C48254C23}" type="datetimeFigureOut">
               <a:rPr lang="en-US" smtClean="0"/>
-              <a:t>2/4/2015</a:t>
+              <a:pPr/>
+              <a:t>2/5/2015</a:t>
             </a:fld>
             <a:endParaRPr lang="en-US"/>
           </a:p>
@@ -2749,6 +2773,7 @@
           <a:p>
             <a:fld id="{D37A0E69-218D-4F71-8C8F-10777D80473F}" type="slidenum">
               <a:rPr lang="en-US" smtClean="0"/>
+              <a:pPr/>
               <a:t>‹#›</a:t>
             </a:fld>
             <a:endParaRPr lang="en-US"/>
@@ -3185,19 +3210,7 @@
           <a:p>
             <a:r>
               <a:rPr lang="en-US" sz="2000" dirty="0" smtClean="0"/>
-              <a:t>       CD11c </a:t>
-            </a:r>
-            <a:r>
-              <a:rPr lang="en-US" sz="2000" dirty="0" smtClean="0"/>
-              <a:t> CD25  CD31  CD205  Claud5  </a:t>
-            </a:r>
-            <a:r>
-              <a:rPr lang="en-US" sz="2000" dirty="0" smtClean="0"/>
-              <a:t>Claud34 </a:t>
-            </a:r>
-            <a:r>
-              <a:rPr lang="en-US" sz="2000" dirty="0" smtClean="0"/>
-              <a:t> Foxp3  K5  K14  </a:t>
+              <a:t>       CD11c  CD25  CD31  CD205  Claud5  Claud34  Foxp3  K5  K14  </a:t>
             </a:r>
             <a:r>
               <a:rPr lang="en-US" sz="2000" dirty="0" err="1" smtClean="0"/>
@@ -3440,19 +3453,7 @@
           <a:p>
             <a:r>
               <a:rPr lang="en-US" sz="2000" dirty="0" smtClean="0"/>
-              <a:t>       CD11c </a:t>
-            </a:r>
-            <a:r>
-              <a:rPr lang="en-US" sz="2000" dirty="0" smtClean="0"/>
-              <a:t> CD25  CD31  CD205  Claud5  </a:t>
-            </a:r>
-            <a:r>
-              <a:rPr lang="en-US" sz="2000" dirty="0" smtClean="0"/>
-              <a:t>Claud34 </a:t>
-            </a:r>
-            <a:r>
-              <a:rPr lang="en-US" sz="2000" dirty="0" smtClean="0"/>
-              <a:t> Foxp3  K5  K14  </a:t>
+              <a:t>       CD11c  CD25  CD31  CD205  Claud5  Claud34  Foxp3  K5  K14  </a:t>
             </a:r>
             <a:r>
               <a:rPr lang="en-US" sz="2000" dirty="0" err="1" smtClean="0"/>
@@ -3695,19 +3696,7 @@
           <a:p>
             <a:r>
               <a:rPr lang="en-US" sz="2000" dirty="0" smtClean="0"/>
-              <a:t>       CD11c </a:t>
-            </a:r>
-            <a:r>
-              <a:rPr lang="en-US" sz="2000" dirty="0" smtClean="0"/>
-              <a:t> CD25  CD31  CD205  Claud5  </a:t>
-            </a:r>
-            <a:r>
-              <a:rPr lang="en-US" sz="2000" dirty="0" smtClean="0"/>
-              <a:t>Claud34 </a:t>
-            </a:r>
-            <a:r>
-              <a:rPr lang="en-US" sz="2000" dirty="0" smtClean="0"/>
-              <a:t> Foxp3  K5  K14  </a:t>
+              <a:t>       CD11c  CD25  CD31  CD205  Claud5  Claud34  Foxp3  K5  K14  </a:t>
             </a:r>
             <a:r>
               <a:rPr lang="en-US" sz="2000" dirty="0" err="1" smtClean="0"/>
@@ -3950,19 +3939,7 @@
           <a:p>
             <a:r>
               <a:rPr lang="en-US" sz="2000" dirty="0" smtClean="0"/>
-              <a:t>       CD11c </a:t>
-            </a:r>
-            <a:r>
-              <a:rPr lang="en-US" sz="2000" dirty="0" smtClean="0"/>
-              <a:t> CD25  CD31  CD205  Claud5  </a:t>
-            </a:r>
-            <a:r>
-              <a:rPr lang="en-US" sz="2000" dirty="0" smtClean="0"/>
-              <a:t>Claud34 </a:t>
-            </a:r>
-            <a:r>
-              <a:rPr lang="en-US" sz="2000" dirty="0" smtClean="0"/>
-              <a:t> Foxp3  K5  K14  </a:t>
+              <a:t>       CD11c  CD25  CD31  CD205  Claud5  Claud34  Foxp3  K5  K14  </a:t>
             </a:r>
             <a:r>
               <a:rPr lang="en-US" sz="2000" dirty="0" err="1" smtClean="0"/>
@@ -4145,19 +4122,7 @@
           <a:p>
             <a:r>
               <a:rPr lang="en-US" sz="2000" dirty="0" smtClean="0"/>
-              <a:t>       CD11c </a:t>
-            </a:r>
-            <a:r>
-              <a:rPr lang="en-US" sz="2000" dirty="0" smtClean="0"/>
-              <a:t> CD25  CD31  CD205  Claud5  </a:t>
-            </a:r>
-            <a:r>
-              <a:rPr lang="en-US" sz="2000" dirty="0" smtClean="0"/>
-              <a:t>Claud34 </a:t>
-            </a:r>
-            <a:r>
-              <a:rPr lang="en-US" sz="2000" dirty="0" smtClean="0"/>
-              <a:t> Foxp3  K5  K14  </a:t>
+              <a:t>       CD11c  CD25  CD31  CD205  Claud5  Claud34  Foxp3  K5  K14  </a:t>
             </a:r>
             <a:r>
               <a:rPr lang="en-US" sz="2000" dirty="0" err="1" smtClean="0"/>
@@ -4430,19 +4395,7 @@
           <a:p>
             <a:r>
               <a:rPr lang="en-US" sz="2000" dirty="0" smtClean="0"/>
-              <a:t>       CD11c </a:t>
-            </a:r>
-            <a:r>
-              <a:rPr lang="en-US" sz="2000" dirty="0" smtClean="0"/>
-              <a:t> CD25  CD31  CD205  Claud5  </a:t>
-            </a:r>
-            <a:r>
-              <a:rPr lang="en-US" sz="2000" dirty="0" smtClean="0"/>
-              <a:t>Claud34 </a:t>
-            </a:r>
-            <a:r>
-              <a:rPr lang="en-US" sz="2000" dirty="0" smtClean="0"/>
-              <a:t> Foxp3  K5  K14  </a:t>
+              <a:t>       CD11c  CD25  CD31  CD205  Claud5  Claud34  Foxp3  K5  K14  </a:t>
             </a:r>
             <a:r>
               <a:rPr lang="en-US" sz="2000" dirty="0" err="1" smtClean="0"/>
@@ -4655,19 +4608,7 @@
           <a:p>
             <a:r>
               <a:rPr lang="en-US" sz="2000" dirty="0" smtClean="0"/>
-              <a:t>       CD11c </a:t>
-            </a:r>
-            <a:r>
-              <a:rPr lang="en-US" sz="2000" dirty="0" smtClean="0"/>
-              <a:t> CD25  CD31  CD205  Claud5  </a:t>
-            </a:r>
-            <a:r>
-              <a:rPr lang="en-US" sz="2000" dirty="0" smtClean="0"/>
-              <a:t>Claud34 </a:t>
-            </a:r>
-            <a:r>
-              <a:rPr lang="en-US" sz="2000" dirty="0" smtClean="0"/>
-              <a:t> Foxp3  K5  K14  </a:t>
+              <a:t>       CD11c  CD25  CD31  CD205  Claud5  Claud34  Foxp3  K5  K14  </a:t>
             </a:r>
             <a:r>
               <a:rPr lang="en-US" sz="2000" dirty="0" err="1" smtClean="0"/>
@@ -4788,6 +4729,61 @@
           <a:xfrm>
             <a:off x="609600" y="4876800"/>
             <a:ext cx="3276600" cy="1600200"/>
+          </a:xfrm>
+          <a:prstGeom prst="rect">
+            <a:avLst/>
+          </a:prstGeom>
+          <a:noFill/>
+          <a:ln w="9525">
+            <a:noFill/>
+            <a:miter lim="800000"/>
+            <a:headEnd/>
+            <a:tailEnd/>
+          </a:ln>
+        </p:spPr>
+      </p:pic>
+    </p:spTree>
+  </p:cSld>
+  <p:clrMapOvr>
+    <a:masterClrMapping/>
+  </p:clrMapOvr>
+</p:sld>
+</file>
+
+<file path=ppt/slides/slide8.xml><?xml version="1.0" encoding="utf-8"?>
+<p:sld xmlns:a="http://schemas.openxmlformats.org/drawingml/2006/main" xmlns:r="http://schemas.openxmlformats.org/officeDocument/2006/relationships" xmlns:p="http://schemas.openxmlformats.org/presentationml/2006/main">
+  <p:cSld>
+    <p:spTree>
+      <p:nvGrpSpPr>
+        <p:cNvPr id="1" name=""/>
+        <p:cNvGrpSpPr/>
+        <p:nvPr/>
+      </p:nvGrpSpPr>
+      <p:grpSpPr>
+        <a:xfrm>
+          <a:off x="0" y="0"/>
+          <a:ext cx="0" cy="0"/>
+          <a:chOff x="0" y="0"/>
+          <a:chExt cx="0" cy="0"/>
+        </a:xfrm>
+      </p:grpSpPr>
+      <p:pic>
+        <p:nvPicPr>
+          <p:cNvPr id="2" name="Picture 1"/>
+          <p:cNvPicPr/>
+          <p:nvPr/>
+        </p:nvPicPr>
+        <p:blipFill>
+          <a:blip r:embed="rId2"/>
+          <a:srcRect t="66561" r="23068" b="7962"/>
+          <a:stretch>
+            <a:fillRect/>
+          </a:stretch>
+        </p:blipFill>
+        <p:spPr bwMode="auto">
+          <a:xfrm>
+            <a:off x="914400" y="990600"/>
+            <a:ext cx="6781800" cy="1600200"/>
           </a:xfrm>
           <a:prstGeom prst="rect">
             <a:avLst/>

--- a/Clustering Results Word Doc/Mutant2_150_Norm_Analysis_K4.pptx
+++ b/Clustering Results Word Doc/Mutant2_150_Norm_Analysis_K4.pptx
@@ -296,7 +296,7 @@
             <a:fld id="{BFE8E7F3-E106-4935-B724-098C48254C23}" type="datetimeFigureOut">
               <a:rPr lang="en-US" smtClean="0"/>
               <a:pPr/>
-              <a:t>2/5/2015</a:t>
+              <a:t>2/8/2015</a:t>
             </a:fld>
             <a:endParaRPr lang="en-US"/>
           </a:p>
@@ -463,7 +463,7 @@
             <a:fld id="{BFE8E7F3-E106-4935-B724-098C48254C23}" type="datetimeFigureOut">
               <a:rPr lang="en-US" smtClean="0"/>
               <a:pPr/>
-              <a:t>2/5/2015</a:t>
+              <a:t>2/8/2015</a:t>
             </a:fld>
             <a:endParaRPr lang="en-US"/>
           </a:p>
@@ -640,7 +640,7 @@
             <a:fld id="{BFE8E7F3-E106-4935-B724-098C48254C23}" type="datetimeFigureOut">
               <a:rPr lang="en-US" smtClean="0"/>
               <a:pPr/>
-              <a:t>2/5/2015</a:t>
+              <a:t>2/8/2015</a:t>
             </a:fld>
             <a:endParaRPr lang="en-US"/>
           </a:p>
@@ -807,7 +807,7 @@
             <a:fld id="{BFE8E7F3-E106-4935-B724-098C48254C23}" type="datetimeFigureOut">
               <a:rPr lang="en-US" smtClean="0"/>
               <a:pPr/>
-              <a:t>2/5/2015</a:t>
+              <a:t>2/8/2015</a:t>
             </a:fld>
             <a:endParaRPr lang="en-US"/>
           </a:p>
@@ -1050,7 +1050,7 @@
             <a:fld id="{BFE8E7F3-E106-4935-B724-098C48254C23}" type="datetimeFigureOut">
               <a:rPr lang="en-US" smtClean="0"/>
               <a:pPr/>
-              <a:t>2/5/2015</a:t>
+              <a:t>2/8/2015</a:t>
             </a:fld>
             <a:endParaRPr lang="en-US"/>
           </a:p>
@@ -1335,7 +1335,7 @@
             <a:fld id="{BFE8E7F3-E106-4935-B724-098C48254C23}" type="datetimeFigureOut">
               <a:rPr lang="en-US" smtClean="0"/>
               <a:pPr/>
-              <a:t>2/5/2015</a:t>
+              <a:t>2/8/2015</a:t>
             </a:fld>
             <a:endParaRPr lang="en-US"/>
           </a:p>
@@ -1754,7 +1754,7 @@
             <a:fld id="{BFE8E7F3-E106-4935-B724-098C48254C23}" type="datetimeFigureOut">
               <a:rPr lang="en-US" smtClean="0"/>
               <a:pPr/>
-              <a:t>2/5/2015</a:t>
+              <a:t>2/8/2015</a:t>
             </a:fld>
             <a:endParaRPr lang="en-US"/>
           </a:p>
@@ -1869,7 +1869,7 @@
             <a:fld id="{BFE8E7F3-E106-4935-B724-098C48254C23}" type="datetimeFigureOut">
               <a:rPr lang="en-US" smtClean="0"/>
               <a:pPr/>
-              <a:t>2/5/2015</a:t>
+              <a:t>2/8/2015</a:t>
             </a:fld>
             <a:endParaRPr lang="en-US"/>
           </a:p>
@@ -1961,7 +1961,7 @@
             <a:fld id="{BFE8E7F3-E106-4935-B724-098C48254C23}" type="datetimeFigureOut">
               <a:rPr lang="en-US" smtClean="0"/>
               <a:pPr/>
-              <a:t>2/5/2015</a:t>
+              <a:t>2/8/2015</a:t>
             </a:fld>
             <a:endParaRPr lang="en-US"/>
           </a:p>
@@ -2235,7 +2235,7 @@
             <a:fld id="{BFE8E7F3-E106-4935-B724-098C48254C23}" type="datetimeFigureOut">
               <a:rPr lang="en-US" smtClean="0"/>
               <a:pPr/>
-              <a:t>2/5/2015</a:t>
+              <a:t>2/8/2015</a:t>
             </a:fld>
             <a:endParaRPr lang="en-US"/>
           </a:p>
@@ -2485,7 +2485,7 @@
             <a:fld id="{BFE8E7F3-E106-4935-B724-098C48254C23}" type="datetimeFigureOut">
               <a:rPr lang="en-US" smtClean="0"/>
               <a:pPr/>
-              <a:t>2/5/2015</a:t>
+              <a:t>2/8/2015</a:t>
             </a:fld>
             <a:endParaRPr lang="en-US"/>
           </a:p>
@@ -2695,7 +2695,7 @@
             <a:fld id="{BFE8E7F3-E106-4935-B724-098C48254C23}" type="datetimeFigureOut">
               <a:rPr lang="en-US" smtClean="0"/>
               <a:pPr/>
-              <a:t>2/5/2015</a:t>
+              <a:t>2/8/2015</a:t>
             </a:fld>
             <a:endParaRPr lang="en-US"/>
           </a:p>
@@ -4769,21 +4769,23 @@
       </p:grpSpPr>
       <p:pic>
         <p:nvPicPr>
-          <p:cNvPr id="2" name="Picture 1"/>
-          <p:cNvPicPr/>
+          <p:cNvPr id="1026" name="Picture 2"/>
+          <p:cNvPicPr>
+            <a:picLocks noChangeAspect="1" noChangeArrowheads="1"/>
+          </p:cNvPicPr>
           <p:nvPr/>
         </p:nvPicPr>
         <p:blipFill>
           <a:blip r:embed="rId2"/>
-          <a:srcRect t="66561" r="23068" b="7962"/>
+          <a:srcRect l="989" t="7033" b="5049"/>
           <a:stretch>
             <a:fillRect/>
           </a:stretch>
         </p:blipFill>
         <p:spPr bwMode="auto">
           <a:xfrm>
-            <a:off x="914400" y="990600"/>
-            <a:ext cx="6781800" cy="1600200"/>
+            <a:off x="151698" y="2286000"/>
+            <a:ext cx="8687502" cy="4337088"/>
           </a:xfrm>
           <a:prstGeom prst="rect">
             <a:avLst/>
@@ -4795,8 +4797,294 @@
             <a:headEnd/>
             <a:tailEnd/>
           </a:ln>
+          <a:effectLst/>
         </p:spPr>
       </p:pic>
+      <p:pic>
+        <p:nvPicPr>
+          <p:cNvPr id="1027" name="Picture 3"/>
+          <p:cNvPicPr>
+            <a:picLocks noChangeAspect="1" noChangeArrowheads="1"/>
+          </p:cNvPicPr>
+          <p:nvPr/>
+        </p:nvPicPr>
+        <p:blipFill>
+          <a:blip r:embed="rId3"/>
+          <a:srcRect t="66667" r="30673" b="8333"/>
+          <a:stretch>
+            <a:fillRect/>
+          </a:stretch>
+        </p:blipFill>
+        <p:spPr bwMode="auto">
+          <a:xfrm>
+            <a:off x="0" y="533400"/>
+            <a:ext cx="9020175" cy="1828800"/>
+          </a:xfrm>
+          <a:prstGeom prst="rect">
+            <a:avLst/>
+          </a:prstGeom>
+          <a:noFill/>
+          <a:ln w="9525">
+            <a:noFill/>
+            <a:miter lim="800000"/>
+            <a:headEnd/>
+            <a:tailEnd/>
+          </a:ln>
+          <a:effectLst/>
+        </p:spPr>
+      </p:pic>
+      <p:sp>
+        <p:nvSpPr>
+          <p:cNvPr id="5" name="TextBox 4"/>
+          <p:cNvSpPr txBox="1"/>
+          <p:nvPr/>
+        </p:nvSpPr>
+        <p:spPr>
+          <a:xfrm>
+            <a:off x="228600" y="164068"/>
+            <a:ext cx="8610600" cy="369332"/>
+          </a:xfrm>
+          <a:prstGeom prst="rect">
+            <a:avLst/>
+          </a:prstGeom>
+          <a:solidFill>
+            <a:schemeClr val="tx1"/>
+          </a:solidFill>
+        </p:spPr>
+        <p:txBody>
+          <a:bodyPr wrap="square" rtlCol="0">
+            <a:spAutoFit/>
+          </a:bodyPr>
+          <a:lstStyle/>
+          <a:p>
+            <a:r>
+              <a:rPr lang="en-US" dirty="0" smtClean="0">
+                <a:solidFill>
+                  <a:schemeClr val="bg1"/>
+                </a:solidFill>
+              </a:rPr>
+              <a:t>  Cortex      M         Outer  </a:t>
+            </a:r>
+            <a:r>
+              <a:rPr lang="en-US" dirty="0" err="1" smtClean="0">
+                <a:solidFill>
+                  <a:schemeClr val="bg1"/>
+                </a:solidFill>
+              </a:rPr>
+              <a:t>Subcap</a:t>
+            </a:r>
+            <a:r>
+              <a:rPr lang="en-US" dirty="0" smtClean="0">
+                <a:solidFill>
+                  <a:schemeClr val="bg1"/>
+                </a:solidFill>
+              </a:rPr>
+              <a:t>    Outer       M       </a:t>
+            </a:r>
+            <a:r>
+              <a:rPr lang="en-US" dirty="0" err="1" smtClean="0">
+                <a:solidFill>
+                  <a:schemeClr val="bg1"/>
+                </a:solidFill>
+              </a:rPr>
+              <a:t>Subcap</a:t>
+            </a:r>
+            <a:r>
+              <a:rPr lang="en-US" dirty="0" smtClean="0">
+                <a:solidFill>
+                  <a:schemeClr val="bg1"/>
+                </a:solidFill>
+              </a:rPr>
+              <a:t> Cortex     Outer    Cortex       M </a:t>
+            </a:r>
+            <a:endParaRPr lang="en-US" dirty="0">
+              <a:solidFill>
+                <a:schemeClr val="bg1"/>
+              </a:solidFill>
+            </a:endParaRPr>
+          </a:p>
+        </p:txBody>
+      </p:sp>
+      <p:sp>
+        <p:nvSpPr>
+          <p:cNvPr id="6" name="TextBox 5"/>
+          <p:cNvSpPr txBox="1"/>
+          <p:nvPr/>
+        </p:nvSpPr>
+        <p:spPr>
+          <a:xfrm>
+            <a:off x="-304800" y="685800"/>
+            <a:ext cx="609600" cy="1615827"/>
+          </a:xfrm>
+          <a:prstGeom prst="rect">
+            <a:avLst/>
+          </a:prstGeom>
+          <a:solidFill>
+            <a:schemeClr val="tx1"/>
+          </a:solidFill>
+        </p:spPr>
+        <p:txBody>
+          <a:bodyPr wrap="square" rtlCol="0">
+            <a:spAutoFit/>
+          </a:bodyPr>
+          <a:lstStyle/>
+          <a:p>
+            <a:r>
+              <a:rPr lang="en-US" sz="900" dirty="0" smtClean="0">
+                <a:solidFill>
+                  <a:schemeClr val="bg1"/>
+                </a:solidFill>
+              </a:rPr>
+              <a:t>M</a:t>
+            </a:r>
+          </a:p>
+          <a:p>
+            <a:r>
+              <a:rPr lang="en-US" sz="900" dirty="0" smtClean="0">
+                <a:solidFill>
+                  <a:schemeClr val="bg1"/>
+                </a:solidFill>
+              </a:rPr>
+              <a:t>Outer</a:t>
+            </a:r>
+          </a:p>
+          <a:p>
+            <a:r>
+              <a:rPr lang="en-US" sz="900" dirty="0" err="1" smtClean="0">
+                <a:solidFill>
+                  <a:schemeClr val="bg1"/>
+                </a:solidFill>
+              </a:rPr>
+              <a:t>Subcap</a:t>
+            </a:r>
+            <a:endParaRPr lang="en-US" sz="900" dirty="0" smtClean="0">
+              <a:solidFill>
+                <a:schemeClr val="bg1"/>
+              </a:solidFill>
+            </a:endParaRPr>
+          </a:p>
+          <a:p>
+            <a:r>
+              <a:rPr lang="en-US" sz="900" dirty="0" smtClean="0">
+                <a:solidFill>
+                  <a:schemeClr val="bg1"/>
+                </a:solidFill>
+              </a:rPr>
+              <a:t>Outer</a:t>
+            </a:r>
+          </a:p>
+          <a:p>
+            <a:r>
+              <a:rPr lang="en-US" sz="900" dirty="0" smtClean="0">
+                <a:solidFill>
+                  <a:schemeClr val="bg1"/>
+                </a:solidFill>
+              </a:rPr>
+              <a:t>M</a:t>
+            </a:r>
+          </a:p>
+          <a:p>
+            <a:r>
+              <a:rPr lang="en-US" sz="900" dirty="0" err="1" smtClean="0">
+                <a:solidFill>
+                  <a:schemeClr val="bg1"/>
+                </a:solidFill>
+              </a:rPr>
+              <a:t>Subcap</a:t>
+            </a:r>
+            <a:endParaRPr lang="en-US" sz="900" dirty="0" smtClean="0">
+              <a:solidFill>
+                <a:schemeClr val="bg1"/>
+              </a:solidFill>
+            </a:endParaRPr>
+          </a:p>
+          <a:p>
+            <a:r>
+              <a:rPr lang="en-US" sz="900" dirty="0" smtClean="0">
+                <a:solidFill>
+                  <a:schemeClr val="bg1"/>
+                </a:solidFill>
+              </a:rPr>
+              <a:t>Cortex</a:t>
+            </a:r>
+          </a:p>
+          <a:p>
+            <a:r>
+              <a:rPr lang="en-US" sz="900" dirty="0" smtClean="0">
+                <a:solidFill>
+                  <a:schemeClr val="bg1"/>
+                </a:solidFill>
+              </a:rPr>
+              <a:t>Outer</a:t>
+            </a:r>
+          </a:p>
+          <a:p>
+            <a:r>
+              <a:rPr lang="en-US" sz="900" dirty="0" smtClean="0">
+                <a:solidFill>
+                  <a:schemeClr val="bg1"/>
+                </a:solidFill>
+              </a:rPr>
+              <a:t>Cortex</a:t>
+            </a:r>
+          </a:p>
+          <a:p>
+            <a:r>
+              <a:rPr lang="en-US" sz="900" dirty="0" smtClean="0">
+                <a:solidFill>
+                  <a:schemeClr val="bg1"/>
+                </a:solidFill>
+              </a:rPr>
+              <a:t>M</a:t>
+            </a:r>
+          </a:p>
+          <a:p>
+            <a:r>
+              <a:rPr lang="en-US" sz="900" dirty="0" err="1" smtClean="0">
+                <a:solidFill>
+                  <a:schemeClr val="bg1"/>
+                </a:solidFill>
+              </a:rPr>
+              <a:t>Subcap</a:t>
+            </a:r>
+            <a:endParaRPr lang="en-US" sz="900" dirty="0">
+              <a:solidFill>
+                <a:schemeClr val="bg1"/>
+              </a:solidFill>
+            </a:endParaRPr>
+          </a:p>
+        </p:txBody>
+      </p:sp>
+      <p:sp>
+        <p:nvSpPr>
+          <p:cNvPr id="7" name="TextBox 6"/>
+          <p:cNvSpPr txBox="1"/>
+          <p:nvPr/>
+        </p:nvSpPr>
+        <p:spPr>
+          <a:xfrm>
+            <a:off x="533400" y="5943600"/>
+            <a:ext cx="9092554" cy="307777"/>
+          </a:xfrm>
+          <a:prstGeom prst="rect">
+            <a:avLst/>
+          </a:prstGeom>
+          <a:noFill/>
+        </p:spPr>
+        <p:txBody>
+          <a:bodyPr wrap="none" rtlCol="0">
+            <a:spAutoFit/>
+          </a:bodyPr>
+          <a:lstStyle/>
+          <a:p>
+            <a:r>
+              <a:rPr lang="en-US" sz="1400" smtClean="0"/>
+              <a:t>S1Outer    S2Outer  S3Outer     S2M     S1M         S3M     S1Cortex   S2Cortex   S3Cortex     S1Subcap S2Subcap  S3Subcap</a:t>
+            </a:r>
+            <a:endParaRPr lang="en-US" sz="1400" dirty="0"/>
+          </a:p>
+        </p:txBody>
+      </p:sp>
     </p:spTree>
   </p:cSld>
   <p:clrMapOvr>

--- a/Clustering Results Word Doc/Mutant2_150_Norm_Analysis_K4.pptx
+++ b/Clustering Results Word Doc/Mutant2_150_Norm_Analysis_K4.pptx
@@ -296,7 +296,7 @@
             <a:fld id="{BFE8E7F3-E106-4935-B724-098C48254C23}" type="datetimeFigureOut">
               <a:rPr lang="en-US" smtClean="0"/>
               <a:pPr/>
-              <a:t>2/8/2015</a:t>
+              <a:t>3/10/2015</a:t>
             </a:fld>
             <a:endParaRPr lang="en-US"/>
           </a:p>
@@ -463,7 +463,7 @@
             <a:fld id="{BFE8E7F3-E106-4935-B724-098C48254C23}" type="datetimeFigureOut">
               <a:rPr lang="en-US" smtClean="0"/>
               <a:pPr/>
-              <a:t>2/8/2015</a:t>
+              <a:t>3/10/2015</a:t>
             </a:fld>
             <a:endParaRPr lang="en-US"/>
           </a:p>
@@ -640,7 +640,7 @@
             <a:fld id="{BFE8E7F3-E106-4935-B724-098C48254C23}" type="datetimeFigureOut">
               <a:rPr lang="en-US" smtClean="0"/>
               <a:pPr/>
-              <a:t>2/8/2015</a:t>
+              <a:t>3/10/2015</a:t>
             </a:fld>
             <a:endParaRPr lang="en-US"/>
           </a:p>
@@ -807,7 +807,7 @@
             <a:fld id="{BFE8E7F3-E106-4935-B724-098C48254C23}" type="datetimeFigureOut">
               <a:rPr lang="en-US" smtClean="0"/>
               <a:pPr/>
-              <a:t>2/8/2015</a:t>
+              <a:t>3/10/2015</a:t>
             </a:fld>
             <a:endParaRPr lang="en-US"/>
           </a:p>
@@ -1050,7 +1050,7 @@
             <a:fld id="{BFE8E7F3-E106-4935-B724-098C48254C23}" type="datetimeFigureOut">
               <a:rPr lang="en-US" smtClean="0"/>
               <a:pPr/>
-              <a:t>2/8/2015</a:t>
+              <a:t>3/10/2015</a:t>
             </a:fld>
             <a:endParaRPr lang="en-US"/>
           </a:p>
@@ -1335,7 +1335,7 @@
             <a:fld id="{BFE8E7F3-E106-4935-B724-098C48254C23}" type="datetimeFigureOut">
               <a:rPr lang="en-US" smtClean="0"/>
               <a:pPr/>
-              <a:t>2/8/2015</a:t>
+              <a:t>3/10/2015</a:t>
             </a:fld>
             <a:endParaRPr lang="en-US"/>
           </a:p>
@@ -1754,7 +1754,7 @@
             <a:fld id="{BFE8E7F3-E106-4935-B724-098C48254C23}" type="datetimeFigureOut">
               <a:rPr lang="en-US" smtClean="0"/>
               <a:pPr/>
-              <a:t>2/8/2015</a:t>
+              <a:t>3/10/2015</a:t>
             </a:fld>
             <a:endParaRPr lang="en-US"/>
           </a:p>
@@ -1869,7 +1869,7 @@
             <a:fld id="{BFE8E7F3-E106-4935-B724-098C48254C23}" type="datetimeFigureOut">
               <a:rPr lang="en-US" smtClean="0"/>
               <a:pPr/>
-              <a:t>2/8/2015</a:t>
+              <a:t>3/10/2015</a:t>
             </a:fld>
             <a:endParaRPr lang="en-US"/>
           </a:p>
@@ -1961,7 +1961,7 @@
             <a:fld id="{BFE8E7F3-E106-4935-B724-098C48254C23}" type="datetimeFigureOut">
               <a:rPr lang="en-US" smtClean="0"/>
               <a:pPr/>
-              <a:t>2/8/2015</a:t>
+              <a:t>3/10/2015</a:t>
             </a:fld>
             <a:endParaRPr lang="en-US"/>
           </a:p>
@@ -2235,7 +2235,7 @@
             <a:fld id="{BFE8E7F3-E106-4935-B724-098C48254C23}" type="datetimeFigureOut">
               <a:rPr lang="en-US" smtClean="0"/>
               <a:pPr/>
-              <a:t>2/8/2015</a:t>
+              <a:t>3/10/2015</a:t>
             </a:fld>
             <a:endParaRPr lang="en-US"/>
           </a:p>
@@ -2485,7 +2485,7 @@
             <a:fld id="{BFE8E7F3-E106-4935-B724-098C48254C23}" type="datetimeFigureOut">
               <a:rPr lang="en-US" smtClean="0"/>
               <a:pPr/>
-              <a:t>2/8/2015</a:t>
+              <a:t>3/10/2015</a:t>
             </a:fld>
             <a:endParaRPr lang="en-US"/>
           </a:p>
@@ -2695,7 +2695,7 @@
             <a:fld id="{BFE8E7F3-E106-4935-B724-098C48254C23}" type="datetimeFigureOut">
               <a:rPr lang="en-US" smtClean="0"/>
               <a:pPr/>
-              <a:t>2/8/2015</a:t>
+              <a:t>3/10/2015</a:t>
             </a:fld>
             <a:endParaRPr lang="en-US"/>
           </a:p>
@@ -3186,44 +3186,6 @@
           </a:ln>
         </p:spPr>
       </p:pic>
-      <p:sp>
-        <p:nvSpPr>
-          <p:cNvPr id="8" name="TextBox 7"/>
-          <p:cNvSpPr txBox="1"/>
-          <p:nvPr/>
-        </p:nvSpPr>
-        <p:spPr>
-          <a:xfrm>
-            <a:off x="-304800" y="0"/>
-            <a:ext cx="9144000" cy="400110"/>
-          </a:xfrm>
-          <a:prstGeom prst="rect">
-            <a:avLst/>
-          </a:prstGeom>
-          <a:noFill/>
-        </p:spPr>
-        <p:txBody>
-          <a:bodyPr wrap="square" rtlCol="0">
-            <a:spAutoFit/>
-          </a:bodyPr>
-          <a:lstStyle/>
-          <a:p>
-            <a:r>
-              <a:rPr lang="en-US" sz="2000" dirty="0" smtClean="0"/>
-              <a:t>       CD11c  CD25  CD31  CD205  Claud5  Claud34  Foxp3  K5  K14  </a:t>
-            </a:r>
-            <a:r>
-              <a:rPr lang="en-US" sz="2000" dirty="0" err="1" smtClean="0"/>
-              <a:t>PDGFRb</a:t>
-            </a:r>
-            <a:r>
-              <a:rPr lang="en-US" sz="2000" dirty="0" smtClean="0"/>
-              <a:t>  UEA1</a:t>
-            </a:r>
-            <a:endParaRPr lang="en-US" sz="2000" dirty="0"/>
-          </a:p>
-        </p:txBody>
-      </p:sp>
       <p:pic>
         <p:nvPicPr>
           <p:cNvPr id="9" name="Picture 8"/>
@@ -3284,6 +3246,52 @@
           </a:ln>
         </p:spPr>
       </p:pic>
+      <p:sp>
+        <p:nvSpPr>
+          <p:cNvPr id="12" name="TextBox 11"/>
+          <p:cNvSpPr txBox="1"/>
+          <p:nvPr/>
+        </p:nvSpPr>
+        <p:spPr>
+          <a:xfrm>
+            <a:off x="0" y="6412468"/>
+            <a:ext cx="8979831" cy="369332"/>
+          </a:xfrm>
+          <a:prstGeom prst="rect">
+            <a:avLst/>
+          </a:prstGeom>
+          <a:noFill/>
+        </p:spPr>
+        <p:txBody>
+          <a:bodyPr wrap="none" rtlCol="0">
+            <a:spAutoFit/>
+          </a:bodyPr>
+          <a:lstStyle/>
+          <a:p>
+            <a:r>
+              <a:rPr lang="en-US" dirty="0" smtClean="0"/>
+              <a:t>CD11c     CD205     </a:t>
+            </a:r>
+            <a:r>
+              <a:rPr lang="en-US" dirty="0" smtClean="0"/>
+              <a:t>CD25     CD31      </a:t>
+            </a:r>
+            <a:r>
+              <a:rPr lang="en-US" dirty="0" smtClean="0"/>
+              <a:t>Claud34    Claud5     Foxp3     K14      K5      </a:t>
+            </a:r>
+            <a:r>
+              <a:rPr lang="en-US" dirty="0" err="1" smtClean="0"/>
+              <a:t>PDGFRb</a:t>
+            </a:r>
+            <a:r>
+              <a:rPr lang="en-US" dirty="0" smtClean="0"/>
+              <a:t>      UEA1</a:t>
+            </a:r>
+            <a:endParaRPr lang="en-US" dirty="0"/>
+          </a:p>
+        </p:txBody>
+      </p:sp>
     </p:spTree>
   </p:cSld>
   <p:clrMapOvr>
@@ -3429,44 +3437,6 @@
           </a:ln>
         </p:spPr>
       </p:pic>
-      <p:sp>
-        <p:nvSpPr>
-          <p:cNvPr id="8" name="TextBox 7"/>
-          <p:cNvSpPr txBox="1"/>
-          <p:nvPr/>
-        </p:nvSpPr>
-        <p:spPr>
-          <a:xfrm>
-            <a:off x="-304800" y="0"/>
-            <a:ext cx="9144000" cy="400110"/>
-          </a:xfrm>
-          <a:prstGeom prst="rect">
-            <a:avLst/>
-          </a:prstGeom>
-          <a:noFill/>
-        </p:spPr>
-        <p:txBody>
-          <a:bodyPr wrap="square" rtlCol="0">
-            <a:spAutoFit/>
-          </a:bodyPr>
-          <a:lstStyle/>
-          <a:p>
-            <a:r>
-              <a:rPr lang="en-US" sz="2000" dirty="0" smtClean="0"/>
-              <a:t>       CD11c  CD25  CD31  CD205  Claud5  Claud34  Foxp3  K5  K14  </a:t>
-            </a:r>
-            <a:r>
-              <a:rPr lang="en-US" sz="2000" dirty="0" err="1" smtClean="0"/>
-              <a:t>PDGFRb</a:t>
-            </a:r>
-            <a:r>
-              <a:rPr lang="en-US" sz="2000" dirty="0" smtClean="0"/>
-              <a:t>  UEA1</a:t>
-            </a:r>
-            <a:endParaRPr lang="en-US" sz="2000" dirty="0"/>
-          </a:p>
-        </p:txBody>
-      </p:sp>
       <p:pic>
         <p:nvPicPr>
           <p:cNvPr id="9" name="Picture 8"/>
@@ -3527,6 +3497,52 @@
           </a:ln>
         </p:spPr>
       </p:pic>
+      <p:sp>
+        <p:nvSpPr>
+          <p:cNvPr id="10" name="TextBox 9"/>
+          <p:cNvSpPr txBox="1"/>
+          <p:nvPr/>
+        </p:nvSpPr>
+        <p:spPr>
+          <a:xfrm>
+            <a:off x="0" y="6412468"/>
+            <a:ext cx="8979831" cy="369332"/>
+          </a:xfrm>
+          <a:prstGeom prst="rect">
+            <a:avLst/>
+          </a:prstGeom>
+          <a:noFill/>
+        </p:spPr>
+        <p:txBody>
+          <a:bodyPr wrap="none" rtlCol="0">
+            <a:spAutoFit/>
+          </a:bodyPr>
+          <a:lstStyle/>
+          <a:p>
+            <a:r>
+              <a:rPr lang="en-US" dirty="0" smtClean="0"/>
+              <a:t>CD11c     CD205     </a:t>
+            </a:r>
+            <a:r>
+              <a:rPr lang="en-US" dirty="0" smtClean="0"/>
+              <a:t>CD25     CD31      </a:t>
+            </a:r>
+            <a:r>
+              <a:rPr lang="en-US" dirty="0" smtClean="0"/>
+              <a:t>Claud34    Claud5     Foxp3     K14      K5      </a:t>
+            </a:r>
+            <a:r>
+              <a:rPr lang="en-US" dirty="0" err="1" smtClean="0"/>
+              <a:t>PDGFRb</a:t>
+            </a:r>
+            <a:r>
+              <a:rPr lang="en-US" dirty="0" smtClean="0"/>
+              <a:t>      UEA1</a:t>
+            </a:r>
+            <a:endParaRPr lang="en-US" dirty="0"/>
+          </a:p>
+        </p:txBody>
+      </p:sp>
     </p:spTree>
   </p:cSld>
   <p:clrMapOvr>
@@ -3672,44 +3688,6 @@
           </a:ln>
         </p:spPr>
       </p:pic>
-      <p:sp>
-        <p:nvSpPr>
-          <p:cNvPr id="8" name="TextBox 7"/>
-          <p:cNvSpPr txBox="1"/>
-          <p:nvPr/>
-        </p:nvSpPr>
-        <p:spPr>
-          <a:xfrm>
-            <a:off x="-304800" y="0"/>
-            <a:ext cx="9144000" cy="400110"/>
-          </a:xfrm>
-          <a:prstGeom prst="rect">
-            <a:avLst/>
-          </a:prstGeom>
-          <a:noFill/>
-        </p:spPr>
-        <p:txBody>
-          <a:bodyPr wrap="square" rtlCol="0">
-            <a:spAutoFit/>
-          </a:bodyPr>
-          <a:lstStyle/>
-          <a:p>
-            <a:r>
-              <a:rPr lang="en-US" sz="2000" dirty="0" smtClean="0"/>
-              <a:t>       CD11c  CD25  CD31  CD205  Claud5  Claud34  Foxp3  K5  K14  </a:t>
-            </a:r>
-            <a:r>
-              <a:rPr lang="en-US" sz="2000" dirty="0" err="1" smtClean="0"/>
-              <a:t>PDGFRb</a:t>
-            </a:r>
-            <a:r>
-              <a:rPr lang="en-US" sz="2000" dirty="0" smtClean="0"/>
-              <a:t>  UEA1</a:t>
-            </a:r>
-            <a:endParaRPr lang="en-US" sz="2000" dirty="0"/>
-          </a:p>
-        </p:txBody>
-      </p:sp>
       <p:pic>
         <p:nvPicPr>
           <p:cNvPr id="9" name="Picture 8"/>
@@ -3770,6 +3748,52 @@
           </a:ln>
         </p:spPr>
       </p:pic>
+      <p:sp>
+        <p:nvSpPr>
+          <p:cNvPr id="10" name="TextBox 9"/>
+          <p:cNvSpPr txBox="1"/>
+          <p:nvPr/>
+        </p:nvSpPr>
+        <p:spPr>
+          <a:xfrm>
+            <a:off x="0" y="6412468"/>
+            <a:ext cx="8979831" cy="369332"/>
+          </a:xfrm>
+          <a:prstGeom prst="rect">
+            <a:avLst/>
+          </a:prstGeom>
+          <a:noFill/>
+        </p:spPr>
+        <p:txBody>
+          <a:bodyPr wrap="none" rtlCol="0">
+            <a:spAutoFit/>
+          </a:bodyPr>
+          <a:lstStyle/>
+          <a:p>
+            <a:r>
+              <a:rPr lang="en-US" dirty="0" smtClean="0"/>
+              <a:t>CD11c     CD205     </a:t>
+            </a:r>
+            <a:r>
+              <a:rPr lang="en-US" dirty="0" smtClean="0"/>
+              <a:t>CD25     CD31      </a:t>
+            </a:r>
+            <a:r>
+              <a:rPr lang="en-US" dirty="0" smtClean="0"/>
+              <a:t>Claud34    Claud5     Foxp3     K14      K5      </a:t>
+            </a:r>
+            <a:r>
+              <a:rPr lang="en-US" dirty="0" err="1" smtClean="0"/>
+              <a:t>PDGFRb</a:t>
+            </a:r>
+            <a:r>
+              <a:rPr lang="en-US" dirty="0" smtClean="0"/>
+              <a:t>      UEA1</a:t>
+            </a:r>
+            <a:endParaRPr lang="en-US" dirty="0"/>
+          </a:p>
+        </p:txBody>
+      </p:sp>
     </p:spTree>
   </p:cSld>
   <p:clrMapOvr>
@@ -3915,44 +3939,6 @@
           </a:ln>
         </p:spPr>
       </p:pic>
-      <p:sp>
-        <p:nvSpPr>
-          <p:cNvPr id="8" name="TextBox 7"/>
-          <p:cNvSpPr txBox="1"/>
-          <p:nvPr/>
-        </p:nvSpPr>
-        <p:spPr>
-          <a:xfrm>
-            <a:off x="-304800" y="0"/>
-            <a:ext cx="9144000" cy="400110"/>
-          </a:xfrm>
-          <a:prstGeom prst="rect">
-            <a:avLst/>
-          </a:prstGeom>
-          <a:noFill/>
-        </p:spPr>
-        <p:txBody>
-          <a:bodyPr wrap="square" rtlCol="0">
-            <a:spAutoFit/>
-          </a:bodyPr>
-          <a:lstStyle/>
-          <a:p>
-            <a:r>
-              <a:rPr lang="en-US" sz="2000" dirty="0" smtClean="0"/>
-              <a:t>       CD11c  CD25  CD31  CD205  Claud5  Claud34  Foxp3  K5  K14  </a:t>
-            </a:r>
-            <a:r>
-              <a:rPr lang="en-US" sz="2000" dirty="0" err="1" smtClean="0"/>
-              <a:t>PDGFRb</a:t>
-            </a:r>
-            <a:r>
-              <a:rPr lang="en-US" sz="2000" dirty="0" smtClean="0"/>
-              <a:t>  UEA1</a:t>
-            </a:r>
-            <a:endParaRPr lang="en-US" sz="2000" dirty="0"/>
-          </a:p>
-        </p:txBody>
-      </p:sp>
       <p:pic>
         <p:nvPicPr>
           <p:cNvPr id="9" name="Picture 8"/>
@@ -4013,6 +3999,52 @@
           </a:ln>
         </p:spPr>
       </p:pic>
+      <p:sp>
+        <p:nvSpPr>
+          <p:cNvPr id="10" name="TextBox 9"/>
+          <p:cNvSpPr txBox="1"/>
+          <p:nvPr/>
+        </p:nvSpPr>
+        <p:spPr>
+          <a:xfrm>
+            <a:off x="0" y="6412468"/>
+            <a:ext cx="8979831" cy="369332"/>
+          </a:xfrm>
+          <a:prstGeom prst="rect">
+            <a:avLst/>
+          </a:prstGeom>
+          <a:noFill/>
+        </p:spPr>
+        <p:txBody>
+          <a:bodyPr wrap="none" rtlCol="0">
+            <a:spAutoFit/>
+          </a:bodyPr>
+          <a:lstStyle/>
+          <a:p>
+            <a:r>
+              <a:rPr lang="en-US" dirty="0" smtClean="0"/>
+              <a:t>CD11c     CD205     </a:t>
+            </a:r>
+            <a:r>
+              <a:rPr lang="en-US" dirty="0" smtClean="0"/>
+              <a:t>CD25     CD31      </a:t>
+            </a:r>
+            <a:r>
+              <a:rPr lang="en-US" dirty="0" smtClean="0"/>
+              <a:t>Claud34    Claud5     Foxp3     K14      K5      </a:t>
+            </a:r>
+            <a:r>
+              <a:rPr lang="en-US" dirty="0" err="1" smtClean="0"/>
+              <a:t>PDGFRb</a:t>
+            </a:r>
+            <a:r>
+              <a:rPr lang="en-US" dirty="0" smtClean="0"/>
+              <a:t>      UEA1</a:t>
+            </a:r>
+            <a:endParaRPr lang="en-US" dirty="0"/>
+          </a:p>
+        </p:txBody>
+      </p:sp>
     </p:spTree>
   </p:cSld>
   <p:clrMapOvr>
@@ -4098,44 +4130,6 @@
           </a:ln>
         </p:spPr>
       </p:pic>
-      <p:sp>
-        <p:nvSpPr>
-          <p:cNvPr id="5" name="TextBox 4"/>
-          <p:cNvSpPr txBox="1"/>
-          <p:nvPr/>
-        </p:nvSpPr>
-        <p:spPr>
-          <a:xfrm>
-            <a:off x="-304800" y="0"/>
-            <a:ext cx="9144000" cy="400110"/>
-          </a:xfrm>
-          <a:prstGeom prst="rect">
-            <a:avLst/>
-          </a:prstGeom>
-          <a:noFill/>
-        </p:spPr>
-        <p:txBody>
-          <a:bodyPr wrap="square" rtlCol="0">
-            <a:spAutoFit/>
-          </a:bodyPr>
-          <a:lstStyle/>
-          <a:p>
-            <a:r>
-              <a:rPr lang="en-US" sz="2000" dirty="0" smtClean="0"/>
-              <a:t>       CD11c  CD25  CD31  CD205  Claud5  Claud34  Foxp3  K5  K14  </a:t>
-            </a:r>
-            <a:r>
-              <a:rPr lang="en-US" sz="2000" dirty="0" err="1" smtClean="0"/>
-              <a:t>PDGFRb</a:t>
-            </a:r>
-            <a:r>
-              <a:rPr lang="en-US" sz="2000" dirty="0" smtClean="0"/>
-              <a:t>  UEA1</a:t>
-            </a:r>
-            <a:endParaRPr lang="en-US" sz="2000" dirty="0"/>
-          </a:p>
-        </p:txBody>
-      </p:sp>
       <p:pic>
         <p:nvPicPr>
           <p:cNvPr id="6" name="Picture 5"/>
@@ -4256,6 +4250,52 @@
           </a:ln>
         </p:spPr>
       </p:pic>
+      <p:sp>
+        <p:nvSpPr>
+          <p:cNvPr id="11" name="TextBox 10"/>
+          <p:cNvSpPr txBox="1"/>
+          <p:nvPr/>
+        </p:nvSpPr>
+        <p:spPr>
+          <a:xfrm>
+            <a:off x="0" y="6412468"/>
+            <a:ext cx="8979831" cy="369332"/>
+          </a:xfrm>
+          <a:prstGeom prst="rect">
+            <a:avLst/>
+          </a:prstGeom>
+          <a:noFill/>
+        </p:spPr>
+        <p:txBody>
+          <a:bodyPr wrap="none" rtlCol="0">
+            <a:spAutoFit/>
+          </a:bodyPr>
+          <a:lstStyle/>
+          <a:p>
+            <a:r>
+              <a:rPr lang="en-US" dirty="0" smtClean="0"/>
+              <a:t>CD11c     CD205     </a:t>
+            </a:r>
+            <a:r>
+              <a:rPr lang="en-US" dirty="0" smtClean="0"/>
+              <a:t>CD25     CD31      </a:t>
+            </a:r>
+            <a:r>
+              <a:rPr lang="en-US" dirty="0" smtClean="0"/>
+              <a:t>Claud34    Claud5     Foxp3     K14      K5      </a:t>
+            </a:r>
+            <a:r>
+              <a:rPr lang="en-US" dirty="0" err="1" smtClean="0"/>
+              <a:t>PDGFRb</a:t>
+            </a:r>
+            <a:r>
+              <a:rPr lang="en-US" dirty="0" smtClean="0"/>
+              <a:t>      UEA1</a:t>
+            </a:r>
+            <a:endParaRPr lang="en-US" dirty="0"/>
+          </a:p>
+        </p:txBody>
+      </p:sp>
     </p:spTree>
   </p:cSld>
   <p:clrMapOvr>
@@ -4371,44 +4411,6 @@
           </a:ln>
         </p:spPr>
       </p:pic>
-      <p:sp>
-        <p:nvSpPr>
-          <p:cNvPr id="5" name="TextBox 4"/>
-          <p:cNvSpPr txBox="1"/>
-          <p:nvPr/>
-        </p:nvSpPr>
-        <p:spPr>
-          <a:xfrm>
-            <a:off x="-304800" y="0"/>
-            <a:ext cx="9144000" cy="400110"/>
-          </a:xfrm>
-          <a:prstGeom prst="rect">
-            <a:avLst/>
-          </a:prstGeom>
-          <a:noFill/>
-        </p:spPr>
-        <p:txBody>
-          <a:bodyPr wrap="square" rtlCol="0">
-            <a:spAutoFit/>
-          </a:bodyPr>
-          <a:lstStyle/>
-          <a:p>
-            <a:r>
-              <a:rPr lang="en-US" sz="2000" dirty="0" smtClean="0"/>
-              <a:t>       CD11c  CD25  CD31  CD205  Claud5  Claud34  Foxp3  K5  K14  </a:t>
-            </a:r>
-            <a:r>
-              <a:rPr lang="en-US" sz="2000" dirty="0" err="1" smtClean="0"/>
-              <a:t>PDGFRb</a:t>
-            </a:r>
-            <a:r>
-              <a:rPr lang="en-US" sz="2000" dirty="0" smtClean="0"/>
-              <a:t>  UEA1</a:t>
-            </a:r>
-            <a:endParaRPr lang="en-US" sz="2000" dirty="0"/>
-          </a:p>
-        </p:txBody>
-      </p:sp>
       <p:pic>
         <p:nvPicPr>
           <p:cNvPr id="6" name="Picture 5"/>
@@ -4499,6 +4501,52 @@
           </a:ln>
         </p:spPr>
       </p:pic>
+      <p:sp>
+        <p:nvSpPr>
+          <p:cNvPr id="9" name="TextBox 8"/>
+          <p:cNvSpPr txBox="1"/>
+          <p:nvPr/>
+        </p:nvSpPr>
+        <p:spPr>
+          <a:xfrm>
+            <a:off x="0" y="6412468"/>
+            <a:ext cx="8979831" cy="369332"/>
+          </a:xfrm>
+          <a:prstGeom prst="rect">
+            <a:avLst/>
+          </a:prstGeom>
+          <a:noFill/>
+        </p:spPr>
+        <p:txBody>
+          <a:bodyPr wrap="none" rtlCol="0">
+            <a:spAutoFit/>
+          </a:bodyPr>
+          <a:lstStyle/>
+          <a:p>
+            <a:r>
+              <a:rPr lang="en-US" dirty="0" smtClean="0"/>
+              <a:t>CD11c     CD205     </a:t>
+            </a:r>
+            <a:r>
+              <a:rPr lang="en-US" dirty="0" smtClean="0"/>
+              <a:t>CD25     CD31      </a:t>
+            </a:r>
+            <a:r>
+              <a:rPr lang="en-US" dirty="0" smtClean="0"/>
+              <a:t>Claud34    Claud5     Foxp3     K14      K5      </a:t>
+            </a:r>
+            <a:r>
+              <a:rPr lang="en-US" dirty="0" err="1" smtClean="0"/>
+              <a:t>PDGFRb</a:t>
+            </a:r>
+            <a:r>
+              <a:rPr lang="en-US" dirty="0" smtClean="0"/>
+              <a:t>      UEA1</a:t>
+            </a:r>
+            <a:endParaRPr lang="en-US" dirty="0"/>
+          </a:p>
+        </p:txBody>
+      </p:sp>
     </p:spTree>
   </p:cSld>
   <p:clrMapOvr>
@@ -4584,44 +4632,6 @@
           </a:ln>
         </p:spPr>
       </p:pic>
-      <p:sp>
-        <p:nvSpPr>
-          <p:cNvPr id="5" name="TextBox 4"/>
-          <p:cNvSpPr txBox="1"/>
-          <p:nvPr/>
-        </p:nvSpPr>
-        <p:spPr>
-          <a:xfrm>
-            <a:off x="-304800" y="0"/>
-            <a:ext cx="9144000" cy="400110"/>
-          </a:xfrm>
-          <a:prstGeom prst="rect">
-            <a:avLst/>
-          </a:prstGeom>
-          <a:noFill/>
-        </p:spPr>
-        <p:txBody>
-          <a:bodyPr wrap="square" rtlCol="0">
-            <a:spAutoFit/>
-          </a:bodyPr>
-          <a:lstStyle/>
-          <a:p>
-            <a:r>
-              <a:rPr lang="en-US" sz="2000" dirty="0" smtClean="0"/>
-              <a:t>       CD11c  CD25  CD31  CD205  Claud5  Claud34  Foxp3  K5  K14  </a:t>
-            </a:r>
-            <a:r>
-              <a:rPr lang="en-US" sz="2000" dirty="0" err="1" smtClean="0"/>
-              <a:t>PDGFRb</a:t>
-            </a:r>
-            <a:r>
-              <a:rPr lang="en-US" sz="2000" dirty="0" smtClean="0"/>
-              <a:t>  UEA1</a:t>
-            </a:r>
-            <a:endParaRPr lang="en-US" sz="2000" dirty="0"/>
-          </a:p>
-        </p:txBody>
-      </p:sp>
       <p:pic>
         <p:nvPicPr>
           <p:cNvPr id="6" name="Picture 5"/>
@@ -4742,6 +4752,52 @@
           </a:ln>
         </p:spPr>
       </p:pic>
+      <p:sp>
+        <p:nvSpPr>
+          <p:cNvPr id="11" name="TextBox 10"/>
+          <p:cNvSpPr txBox="1"/>
+          <p:nvPr/>
+        </p:nvSpPr>
+        <p:spPr>
+          <a:xfrm>
+            <a:off x="0" y="6412468"/>
+            <a:ext cx="8979831" cy="369332"/>
+          </a:xfrm>
+          <a:prstGeom prst="rect">
+            <a:avLst/>
+          </a:prstGeom>
+          <a:noFill/>
+        </p:spPr>
+        <p:txBody>
+          <a:bodyPr wrap="none" rtlCol="0">
+            <a:spAutoFit/>
+          </a:bodyPr>
+          <a:lstStyle/>
+          <a:p>
+            <a:r>
+              <a:rPr lang="en-US" dirty="0" smtClean="0"/>
+              <a:t>CD11c     CD205     </a:t>
+            </a:r>
+            <a:r>
+              <a:rPr lang="en-US" dirty="0" smtClean="0"/>
+              <a:t>CD25     CD31      </a:t>
+            </a:r>
+            <a:r>
+              <a:rPr lang="en-US" dirty="0" smtClean="0"/>
+              <a:t>Claud34    Claud5     Foxp3     K14      K5      </a:t>
+            </a:r>
+            <a:r>
+              <a:rPr lang="en-US" dirty="0" err="1" smtClean="0"/>
+              <a:t>PDGFRb</a:t>
+            </a:r>
+            <a:r>
+              <a:rPr lang="en-US" dirty="0" smtClean="0"/>
+              <a:t>      UEA1</a:t>
+            </a:r>
+            <a:endParaRPr lang="en-US" dirty="0"/>
+          </a:p>
+        </p:txBody>
+      </p:sp>
     </p:spTree>
   </p:cSld>
   <p:clrMapOvr>
